--- a/AI05-DeepLearning.pptx
+++ b/AI05-DeepLearning.pptx
@@ -5,54 +5,55 @@
     <p:sldMasterId id="2147483653" r:id="rId1"/>
   </p:sldMasterIdLst>
   <p:notesMasterIdLst>
-    <p:notesMasterId r:id="rId44"/>
+    <p:notesMasterId r:id="rId45"/>
   </p:notesMasterIdLst>
   <p:handoutMasterIdLst>
-    <p:handoutMasterId r:id="rId45"/>
+    <p:handoutMasterId r:id="rId46"/>
   </p:handoutMasterIdLst>
   <p:sldIdLst>
     <p:sldId id="264" r:id="rId2"/>
     <p:sldId id="265" r:id="rId3"/>
-    <p:sldId id="266" r:id="rId4"/>
-    <p:sldId id="267" r:id="rId5"/>
-    <p:sldId id="268" r:id="rId6"/>
-    <p:sldId id="305" r:id="rId7"/>
-    <p:sldId id="311" r:id="rId8"/>
-    <p:sldId id="306" r:id="rId9"/>
-    <p:sldId id="327" r:id="rId10"/>
-    <p:sldId id="308" r:id="rId11"/>
-    <p:sldId id="328" r:id="rId12"/>
-    <p:sldId id="310" r:id="rId13"/>
-    <p:sldId id="314" r:id="rId14"/>
-    <p:sldId id="315" r:id="rId15"/>
-    <p:sldId id="316" r:id="rId16"/>
-    <p:sldId id="325" r:id="rId17"/>
-    <p:sldId id="317" r:id="rId18"/>
-    <p:sldId id="319" r:id="rId19"/>
-    <p:sldId id="329" r:id="rId20"/>
-    <p:sldId id="320" r:id="rId21"/>
-    <p:sldId id="336" r:id="rId22"/>
-    <p:sldId id="321" r:id="rId23"/>
-    <p:sldId id="323" r:id="rId24"/>
-    <p:sldId id="324" r:id="rId25"/>
-    <p:sldId id="326" r:id="rId26"/>
-    <p:sldId id="322" r:id="rId27"/>
-    <p:sldId id="318" r:id="rId28"/>
-    <p:sldId id="331" r:id="rId29"/>
-    <p:sldId id="333" r:id="rId30"/>
-    <p:sldId id="271" r:id="rId31"/>
-    <p:sldId id="338" r:id="rId32"/>
-    <p:sldId id="298" r:id="rId33"/>
-    <p:sldId id="332" r:id="rId34"/>
-    <p:sldId id="359" r:id="rId35"/>
-    <p:sldId id="360" r:id="rId36"/>
-    <p:sldId id="361" r:id="rId37"/>
-    <p:sldId id="303" r:id="rId38"/>
-    <p:sldId id="304" r:id="rId39"/>
-    <p:sldId id="362" r:id="rId40"/>
-    <p:sldId id="350" r:id="rId41"/>
-    <p:sldId id="351" r:id="rId42"/>
-    <p:sldId id="352" r:id="rId43"/>
+    <p:sldId id="363" r:id="rId4"/>
+    <p:sldId id="266" r:id="rId5"/>
+    <p:sldId id="267" r:id="rId6"/>
+    <p:sldId id="268" r:id="rId7"/>
+    <p:sldId id="305" r:id="rId8"/>
+    <p:sldId id="311" r:id="rId9"/>
+    <p:sldId id="306" r:id="rId10"/>
+    <p:sldId id="327" r:id="rId11"/>
+    <p:sldId id="308" r:id="rId12"/>
+    <p:sldId id="328" r:id="rId13"/>
+    <p:sldId id="310" r:id="rId14"/>
+    <p:sldId id="314" r:id="rId15"/>
+    <p:sldId id="315" r:id="rId16"/>
+    <p:sldId id="316" r:id="rId17"/>
+    <p:sldId id="325" r:id="rId18"/>
+    <p:sldId id="317" r:id="rId19"/>
+    <p:sldId id="319" r:id="rId20"/>
+    <p:sldId id="329" r:id="rId21"/>
+    <p:sldId id="320" r:id="rId22"/>
+    <p:sldId id="336" r:id="rId23"/>
+    <p:sldId id="321" r:id="rId24"/>
+    <p:sldId id="323" r:id="rId25"/>
+    <p:sldId id="324" r:id="rId26"/>
+    <p:sldId id="326" r:id="rId27"/>
+    <p:sldId id="322" r:id="rId28"/>
+    <p:sldId id="318" r:id="rId29"/>
+    <p:sldId id="331" r:id="rId30"/>
+    <p:sldId id="333" r:id="rId31"/>
+    <p:sldId id="271" r:id="rId32"/>
+    <p:sldId id="338" r:id="rId33"/>
+    <p:sldId id="298" r:id="rId34"/>
+    <p:sldId id="332" r:id="rId35"/>
+    <p:sldId id="359" r:id="rId36"/>
+    <p:sldId id="360" r:id="rId37"/>
+    <p:sldId id="361" r:id="rId38"/>
+    <p:sldId id="303" r:id="rId39"/>
+    <p:sldId id="304" r:id="rId40"/>
+    <p:sldId id="362" r:id="rId41"/>
+    <p:sldId id="350" r:id="rId42"/>
+    <p:sldId id="351" r:id="rId43"/>
+    <p:sldId id="352" r:id="rId44"/>
   </p:sldIdLst>
   <p:sldSz cx="9144000" cy="6858000" type="screen4x3"/>
   <p:notesSz cx="6648450" cy="9782175"/>
@@ -1028,7 +1029,7 @@
               <a:pPr>
                 <a:defRPr/>
               </a:pPr>
-              <a:t>14</a:t>
+              <a:t>15</a:t>
             </a:fld>
             <a:endParaRPr lang="fr-FR"/>
           </a:p>
@@ -3941,6 +3942,94 @@
           <a:p>
             <a:r>
               <a:rPr lang="fr-FR" dirty="0"/>
+              <a:t>Signal synaptique</a:t>
+            </a:r>
+          </a:p>
+        </p:txBody>
+      </p:sp>
+      <p:sp>
+        <p:nvSpPr>
+          <p:cNvPr id="3" name="Espace réservé du contenu 2"/>
+          <p:cNvSpPr>
+            <a:spLocks noGrp="1"/>
+          </p:cNvSpPr>
+          <p:nvPr>
+            <p:ph idx="1"/>
+          </p:nvPr>
+        </p:nvSpPr>
+        <p:spPr/>
+        <p:txBody>
+          <a:bodyPr/>
+          <a:lstStyle/>
+          <a:p>
+            <a:r>
+              <a:rPr lang="fr-FR" dirty="0"/>
+              <a:t>L’ensemble des entrées sont multipliés à leurs poids puis sommés</a:t>
+            </a:r>
+          </a:p>
+          <a:p>
+            <a:r>
+              <a:rPr lang="fr-FR" dirty="0"/>
+              <a:t>signal = </a:t>
+            </a:r>
+            <a:r>
+              <a:rPr lang="fr-FR" dirty="0" err="1"/>
+              <a:t>sum</a:t>
+            </a:r>
+            <a:r>
+              <a:rPr lang="fr-FR" dirty="0"/>
+              <a:t>(i[x]*W[x])</a:t>
+            </a:r>
+          </a:p>
+        </p:txBody>
+      </p:sp>
+    </p:spTree>
+    <p:extLst>
+      <p:ext uri="{BB962C8B-B14F-4D97-AF65-F5344CB8AC3E}">
+        <p14:creationId xmlns:p14="http://schemas.microsoft.com/office/powerpoint/2010/main" val="635550269"/>
+      </p:ext>
+    </p:extLst>
+  </p:cSld>
+  <p:clrMapOvr>
+    <a:masterClrMapping/>
+  </p:clrMapOvr>
+</p:sld>
+</file>
+
+<file path=ppt/slides/slide11.xml><?xml version="1.0" encoding="utf-8"?>
+<p:sld xmlns:a="http://schemas.openxmlformats.org/drawingml/2006/main" xmlns:r="http://schemas.openxmlformats.org/officeDocument/2006/relationships" xmlns:p="http://schemas.openxmlformats.org/presentationml/2006/main">
+  <p:cSld>
+    <p:spTree>
+      <p:nvGrpSpPr>
+        <p:cNvPr id="1" name=""/>
+        <p:cNvGrpSpPr/>
+        <p:nvPr/>
+      </p:nvGrpSpPr>
+      <p:grpSpPr>
+        <a:xfrm>
+          <a:off x="0" y="0"/>
+          <a:ext cx="0" cy="0"/>
+          <a:chOff x="0" y="0"/>
+          <a:chExt cx="0" cy="0"/>
+        </a:xfrm>
+      </p:grpSpPr>
+      <p:sp>
+        <p:nvSpPr>
+          <p:cNvPr id="2" name="Titre 1"/>
+          <p:cNvSpPr>
+            <a:spLocks noGrp="1"/>
+          </p:cNvSpPr>
+          <p:nvPr>
+            <p:ph type="title"/>
+          </p:nvPr>
+        </p:nvSpPr>
+        <p:spPr/>
+        <p:txBody>
+          <a:bodyPr/>
+          <a:lstStyle/>
+          <a:p>
+            <a:r>
+              <a:rPr lang="fr-FR" dirty="0"/>
               <a:t>Perceptron</a:t>
             </a:r>
           </a:p>
@@ -4464,7 +4553,7 @@
 </p:sld>
 </file>
 
-<file path=ppt/slides/slide11.xml><?xml version="1.0" encoding="utf-8"?>
+<file path=ppt/slides/slide12.xml><?xml version="1.0" encoding="utf-8"?>
 <p:sld xmlns:a="http://schemas.openxmlformats.org/drawingml/2006/main" xmlns:r="http://schemas.openxmlformats.org/officeDocument/2006/relationships" xmlns:p="http://schemas.openxmlformats.org/presentationml/2006/main">
   <p:cSld>
     <p:spTree>
@@ -4611,7 +4700,7 @@
 </p:sld>
 </file>
 
-<file path=ppt/slides/slide12.xml><?xml version="1.0" encoding="utf-8"?>
+<file path=ppt/slides/slide13.xml><?xml version="1.0" encoding="utf-8"?>
 <p:sld xmlns:a="http://schemas.openxmlformats.org/drawingml/2006/main" xmlns:r="http://schemas.openxmlformats.org/officeDocument/2006/relationships" xmlns:p="http://schemas.openxmlformats.org/presentationml/2006/main">
   <p:cSld>
     <p:spTree>
@@ -4757,7 +4846,7 @@
 </p:sld>
 </file>
 
-<file path=ppt/slides/slide13.xml><?xml version="1.0" encoding="utf-8"?>
+<file path=ppt/slides/slide14.xml><?xml version="1.0" encoding="utf-8"?>
 <p:sld xmlns:a="http://schemas.openxmlformats.org/drawingml/2006/main" xmlns:r="http://schemas.openxmlformats.org/officeDocument/2006/relationships" xmlns:p="http://schemas.openxmlformats.org/presentationml/2006/main">
   <p:cSld>
     <p:spTree>
@@ -5761,7 +5850,7 @@
 </p:sld>
 </file>
 
-<file path=ppt/slides/slide14.xml><?xml version="1.0" encoding="utf-8"?>
+<file path=ppt/slides/slide15.xml><?xml version="1.0" encoding="utf-8"?>
 <p:sld xmlns:a="http://schemas.openxmlformats.org/drawingml/2006/main" xmlns:r="http://schemas.openxmlformats.org/officeDocument/2006/relationships" xmlns:p="http://schemas.openxmlformats.org/presentationml/2006/main">
   <p:cSld>
     <p:spTree>
@@ -5936,7 +6025,7 @@
 </p:sld>
 </file>
 
-<file path=ppt/slides/slide15.xml><?xml version="1.0" encoding="utf-8"?>
+<file path=ppt/slides/slide16.xml><?xml version="1.0" encoding="utf-8"?>
 <p:sld xmlns:a="http://schemas.openxmlformats.org/drawingml/2006/main" xmlns:r="http://schemas.openxmlformats.org/officeDocument/2006/relationships" xmlns:p="http://schemas.openxmlformats.org/presentationml/2006/main">
   <p:cSld>
     <p:spTree>
@@ -6031,7 +6120,7 @@
 </p:sld>
 </file>
 
-<file path=ppt/slides/slide16.xml><?xml version="1.0" encoding="utf-8"?>
+<file path=ppt/slides/slide17.xml><?xml version="1.0" encoding="utf-8"?>
 <p:sld xmlns:a="http://schemas.openxmlformats.org/drawingml/2006/main" xmlns:r="http://schemas.openxmlformats.org/officeDocument/2006/relationships" xmlns:p="http://schemas.openxmlformats.org/presentationml/2006/main">
   <p:cSld>
     <p:spTree>
@@ -6220,7 +6309,7 @@
 </p:sld>
 </file>
 
-<file path=ppt/slides/slide17.xml><?xml version="1.0" encoding="utf-8"?>
+<file path=ppt/slides/slide18.xml><?xml version="1.0" encoding="utf-8"?>
 <p:sld xmlns:a="http://schemas.openxmlformats.org/drawingml/2006/main" xmlns:r="http://schemas.openxmlformats.org/officeDocument/2006/relationships" xmlns:p="http://schemas.openxmlformats.org/presentationml/2006/main">
   <p:cSld>
     <p:spTree>
@@ -6313,120 +6402,6 @@
 </p:sld>
 </file>
 
-<file path=ppt/slides/slide18.xml><?xml version="1.0" encoding="utf-8"?>
-<p:sld xmlns:a="http://schemas.openxmlformats.org/drawingml/2006/main" xmlns:r="http://schemas.openxmlformats.org/officeDocument/2006/relationships" xmlns:p="http://schemas.openxmlformats.org/presentationml/2006/main">
-  <p:cSld>
-    <p:spTree>
-      <p:nvGrpSpPr>
-        <p:cNvPr id="1" name=""/>
-        <p:cNvGrpSpPr/>
-        <p:nvPr/>
-      </p:nvGrpSpPr>
-      <p:grpSpPr>
-        <a:xfrm>
-          <a:off x="0" y="0"/>
-          <a:ext cx="0" cy="0"/>
-          <a:chOff x="0" y="0"/>
-          <a:chExt cx="0" cy="0"/>
-        </a:xfrm>
-      </p:grpSpPr>
-      <p:sp>
-        <p:nvSpPr>
-          <p:cNvPr id="2" name="Titre 1"/>
-          <p:cNvSpPr>
-            <a:spLocks noGrp="1"/>
-          </p:cNvSpPr>
-          <p:nvPr>
-            <p:ph type="title"/>
-          </p:nvPr>
-        </p:nvSpPr>
-        <p:spPr/>
-        <p:txBody>
-          <a:bodyPr/>
-          <a:lstStyle/>
-          <a:p>
-            <a:r>
-              <a:rPr lang="fr-FR" dirty="0"/>
-              <a:t>Calcul du </a:t>
-            </a:r>
-            <a:r>
-              <a:rPr lang="fr-FR" dirty="0" err="1"/>
-              <a:t>loss</a:t>
-            </a:r>
-            <a:endParaRPr lang="fr-FR" dirty="0"/>
-          </a:p>
-        </p:txBody>
-      </p:sp>
-      <p:sp>
-        <p:nvSpPr>
-          <p:cNvPr id="3" name="Espace réservé du contenu 2"/>
-          <p:cNvSpPr>
-            <a:spLocks noGrp="1"/>
-          </p:cNvSpPr>
-          <p:nvPr>
-            <p:ph idx="1"/>
-          </p:nvPr>
-        </p:nvSpPr>
-        <p:spPr/>
-        <p:txBody>
-          <a:bodyPr/>
-          <a:lstStyle/>
-          <a:p>
-            <a:r>
-              <a:rPr lang="fr-FR" dirty="0"/>
-              <a:t>Les résultats attendus sont 0.75 et 0.77</a:t>
-            </a:r>
-          </a:p>
-          <a:p>
-            <a:r>
-              <a:rPr lang="fr-FR" dirty="0"/>
-              <a:t>Le résultat obtenus est 0.01 et 0.99</a:t>
-            </a:r>
-          </a:p>
-          <a:p>
-            <a:r>
-              <a:rPr lang="fr-FR" dirty="0"/>
-              <a:t>Le </a:t>
-            </a:r>
-            <a:r>
-              <a:rPr lang="fr-FR" dirty="0" err="1"/>
-              <a:t>loss</a:t>
-            </a:r>
-            <a:r>
-              <a:rPr lang="fr-FR" dirty="0"/>
-              <a:t> (</a:t>
-            </a:r>
-            <a:r>
-              <a:rPr lang="fr-FR" dirty="0" err="1"/>
-              <a:t>mse</a:t>
-            </a:r>
-            <a:r>
-              <a:rPr lang="fr-FR" dirty="0"/>
-              <a:t>) est l’erreur quadratique soit</a:t>
-            </a:r>
-          </a:p>
-          <a:p>
-            <a:pPr lvl="1"/>
-            <a:r>
-              <a:rPr lang="fr-FR" dirty="0"/>
-              <a:t>(0.75-0.01)**2 + (0.77-0.99)**2 = 0.51</a:t>
-            </a:r>
-          </a:p>
-        </p:txBody>
-      </p:sp>
-    </p:spTree>
-    <p:extLst>
-      <p:ext uri="{BB962C8B-B14F-4D97-AF65-F5344CB8AC3E}">
-        <p14:creationId xmlns:p14="http://schemas.microsoft.com/office/powerpoint/2010/main" val="1802245847"/>
-      </p:ext>
-    </p:extLst>
-  </p:cSld>
-  <p:clrMapOvr>
-    <a:masterClrMapping/>
-  </p:clrMapOvr>
-</p:sld>
-</file>
-
 <file path=ppt/slides/slide19.xml><?xml version="1.0" encoding="utf-8"?>
 <p:sld xmlns:a="http://schemas.openxmlformats.org/drawingml/2006/main" xmlns:r="http://schemas.openxmlformats.org/officeDocument/2006/relationships" xmlns:p="http://schemas.openxmlformats.org/presentationml/2006/main">
   <p:cSld>
@@ -6460,8 +6435,12 @@
           <a:lstStyle/>
           <a:p>
             <a:r>
+              <a:rPr lang="fr-FR" dirty="0"/>
+              <a:t>Calcul du </a:t>
+            </a:r>
+            <a:r>
               <a:rPr lang="fr-FR" dirty="0" err="1"/>
-              <a:t>Backpropagation</a:t>
+              <a:t>loss</a:t>
             </a:r>
             <a:endParaRPr lang="fr-FR" dirty="0"/>
           </a:p>
@@ -6484,40 +6463,50 @@
           <a:p>
             <a:r>
               <a:rPr lang="fr-FR" dirty="0"/>
-              <a:t>Les réseaux de neurones sont souvent supervisés</a:t>
+              <a:t>Les résultats attendus sont 0.75 et 0.77</a:t>
+            </a:r>
+          </a:p>
+          <a:p>
+            <a:r>
+              <a:rPr lang="fr-FR" dirty="0"/>
+              <a:t>Le résultat obtenus est 0.01 et 0.99</a:t>
+            </a:r>
+          </a:p>
+          <a:p>
+            <a:r>
+              <a:rPr lang="fr-FR" dirty="0"/>
+              <a:t>Le </a:t>
+            </a:r>
+            <a:r>
+              <a:rPr lang="fr-FR" dirty="0" err="1"/>
+              <a:t>loss</a:t>
+            </a:r>
+            <a:r>
+              <a:rPr lang="fr-FR" dirty="0"/>
+              <a:t> (</a:t>
+            </a:r>
+            <a:r>
+              <a:rPr lang="fr-FR" dirty="0" err="1"/>
+              <a:t>mse</a:t>
+            </a:r>
+            <a:r>
+              <a:rPr lang="fr-FR" dirty="0"/>
+              <a:t>) est l’erreur quadratique soit</a:t>
             </a:r>
           </a:p>
           <a:p>
             <a:pPr lvl="1"/>
             <a:r>
               <a:rPr lang="fr-FR" dirty="0"/>
-              <a:t>Présence d’un feedback pour indiquer si le calcul est bon</a:t>
-            </a:r>
-          </a:p>
-          <a:p>
-            <a:r>
-              <a:rPr lang="fr-FR" dirty="0"/>
-              <a:t>Si le feedback est bon, le neurone se fige un peu plus</a:t>
-            </a:r>
-          </a:p>
-          <a:p>
-            <a:r>
-              <a:rPr lang="fr-FR" dirty="0"/>
-              <a:t>Sinon, le seuil et les poids changent un peu</a:t>
-            </a:r>
-          </a:p>
-          <a:p>
-            <a:endParaRPr lang="fr-FR" dirty="0"/>
-          </a:p>
-          <a:p>
-            <a:endParaRPr lang="fr-FR" dirty="0"/>
+              <a:t>(0.75-0.01)**2 + (0.77-0.99)**2 = 0.51</a:t>
+            </a:r>
           </a:p>
         </p:txBody>
       </p:sp>
     </p:spTree>
     <p:extLst>
       <p:ext uri="{BB962C8B-B14F-4D97-AF65-F5344CB8AC3E}">
-        <p14:creationId xmlns:p14="http://schemas.microsoft.com/office/powerpoint/2010/main" val="2263156246"/>
+        <p14:creationId xmlns:p14="http://schemas.microsoft.com/office/powerpoint/2010/main" val="1802245847"/>
       </p:ext>
     </p:extLst>
   </p:cSld>
@@ -6643,6 +6632,106 @@
 </file>
 
 <file path=ppt/slides/slide20.xml><?xml version="1.0" encoding="utf-8"?>
+<p:sld xmlns:a="http://schemas.openxmlformats.org/drawingml/2006/main" xmlns:r="http://schemas.openxmlformats.org/officeDocument/2006/relationships" xmlns:p="http://schemas.openxmlformats.org/presentationml/2006/main">
+  <p:cSld>
+    <p:spTree>
+      <p:nvGrpSpPr>
+        <p:cNvPr id="1" name=""/>
+        <p:cNvGrpSpPr/>
+        <p:nvPr/>
+      </p:nvGrpSpPr>
+      <p:grpSpPr>
+        <a:xfrm>
+          <a:off x="0" y="0"/>
+          <a:ext cx="0" cy="0"/>
+          <a:chOff x="0" y="0"/>
+          <a:chExt cx="0" cy="0"/>
+        </a:xfrm>
+      </p:grpSpPr>
+      <p:sp>
+        <p:nvSpPr>
+          <p:cNvPr id="2" name="Titre 1"/>
+          <p:cNvSpPr>
+            <a:spLocks noGrp="1"/>
+          </p:cNvSpPr>
+          <p:nvPr>
+            <p:ph type="title"/>
+          </p:nvPr>
+        </p:nvSpPr>
+        <p:spPr/>
+        <p:txBody>
+          <a:bodyPr/>
+          <a:lstStyle/>
+          <a:p>
+            <a:r>
+              <a:rPr lang="fr-FR" dirty="0" err="1"/>
+              <a:t>Backpropagation</a:t>
+            </a:r>
+            <a:endParaRPr lang="fr-FR" dirty="0"/>
+          </a:p>
+        </p:txBody>
+      </p:sp>
+      <p:sp>
+        <p:nvSpPr>
+          <p:cNvPr id="3" name="Espace réservé du contenu 2"/>
+          <p:cNvSpPr>
+            <a:spLocks noGrp="1"/>
+          </p:cNvSpPr>
+          <p:nvPr>
+            <p:ph idx="1"/>
+          </p:nvPr>
+        </p:nvSpPr>
+        <p:spPr/>
+        <p:txBody>
+          <a:bodyPr/>
+          <a:lstStyle/>
+          <a:p>
+            <a:r>
+              <a:rPr lang="fr-FR" dirty="0"/>
+              <a:t>Les réseaux de neurones sont souvent supervisés</a:t>
+            </a:r>
+          </a:p>
+          <a:p>
+            <a:pPr lvl="1"/>
+            <a:r>
+              <a:rPr lang="fr-FR" dirty="0"/>
+              <a:t>Présence d’un feedback pour indiquer si le calcul est bon</a:t>
+            </a:r>
+          </a:p>
+          <a:p>
+            <a:r>
+              <a:rPr lang="fr-FR" dirty="0"/>
+              <a:t>Si le feedback est bon, le neurone se fige un peu plus</a:t>
+            </a:r>
+          </a:p>
+          <a:p>
+            <a:r>
+              <a:rPr lang="fr-FR" dirty="0"/>
+              <a:t>Sinon, le seuil et les poids changent un peu</a:t>
+            </a:r>
+          </a:p>
+          <a:p>
+            <a:endParaRPr lang="fr-FR" dirty="0"/>
+          </a:p>
+          <a:p>
+            <a:endParaRPr lang="fr-FR" dirty="0"/>
+          </a:p>
+        </p:txBody>
+      </p:sp>
+    </p:spTree>
+    <p:extLst>
+      <p:ext uri="{BB962C8B-B14F-4D97-AF65-F5344CB8AC3E}">
+        <p14:creationId xmlns:p14="http://schemas.microsoft.com/office/powerpoint/2010/main" val="2263156246"/>
+      </p:ext>
+    </p:extLst>
+  </p:cSld>
+  <p:clrMapOvr>
+    <a:masterClrMapping/>
+  </p:clrMapOvr>
+</p:sld>
+</file>
+
+<file path=ppt/slides/slide21.xml><?xml version="1.0" encoding="utf-8"?>
 <p:sld xmlns:a="http://schemas.openxmlformats.org/drawingml/2006/main" xmlns:r="http://schemas.openxmlformats.org/officeDocument/2006/relationships" xmlns:p="http://schemas.openxmlformats.org/presentationml/2006/main">
   <p:cSld>
     <p:spTree>
@@ -6763,7 +6852,7 @@
 </p:sld>
 </file>
 
-<file path=ppt/slides/slide21.xml><?xml version="1.0" encoding="utf-8"?>
+<file path=ppt/slides/slide22.xml><?xml version="1.0" encoding="utf-8"?>
 <p:sld xmlns:a="http://schemas.openxmlformats.org/drawingml/2006/main" xmlns:r="http://schemas.openxmlformats.org/officeDocument/2006/relationships" xmlns:p="http://schemas.openxmlformats.org/presentationml/2006/main">
   <p:cSld>
     <p:spTree>
@@ -6960,7 +7049,7 @@
 </p:sld>
 </file>
 
-<file path=ppt/slides/slide22.xml><?xml version="1.0" encoding="utf-8"?>
+<file path=ppt/slides/slide23.xml><?xml version="1.0" encoding="utf-8"?>
 <p:sld xmlns:a="http://schemas.openxmlformats.org/drawingml/2006/main" xmlns:r="http://schemas.openxmlformats.org/officeDocument/2006/relationships" xmlns:p="http://schemas.openxmlformats.org/presentationml/2006/main">
   <p:cSld>
     <p:spTree>
@@ -7109,7 +7198,7 @@
 </p:sld>
 </file>
 
-<file path=ppt/slides/slide23.xml><?xml version="1.0" encoding="utf-8"?>
+<file path=ppt/slides/slide24.xml><?xml version="1.0" encoding="utf-8"?>
 <p:sld xmlns:a="http://schemas.openxmlformats.org/drawingml/2006/main" xmlns:r="http://schemas.openxmlformats.org/officeDocument/2006/relationships" xmlns:p="http://schemas.openxmlformats.org/presentationml/2006/main">
   <p:cSld>
     <p:spTree>
@@ -7272,7 +7361,7 @@
 </p:sld>
 </file>
 
-<file path=ppt/slides/slide24.xml><?xml version="1.0" encoding="utf-8"?>
+<file path=ppt/slides/slide25.xml><?xml version="1.0" encoding="utf-8"?>
 <p:sld xmlns:a="http://schemas.openxmlformats.org/drawingml/2006/main" xmlns:r="http://schemas.openxmlformats.org/officeDocument/2006/relationships" xmlns:p="http://schemas.openxmlformats.org/presentationml/2006/main">
   <p:cSld>
     <p:spTree>
@@ -7443,7 +7532,7 @@
 </p:sld>
 </file>
 
-<file path=ppt/slides/slide25.xml><?xml version="1.0" encoding="utf-8"?>
+<file path=ppt/slides/slide26.xml><?xml version="1.0" encoding="utf-8"?>
 <p:sld xmlns:a="http://schemas.openxmlformats.org/drawingml/2006/main" xmlns:r="http://schemas.openxmlformats.org/officeDocument/2006/relationships" xmlns:p="http://schemas.openxmlformats.org/presentationml/2006/main">
   <p:cSld>
     <p:spTree>
@@ -7539,7 +7628,7 @@
 </p:sld>
 </file>
 
-<file path=ppt/slides/slide26.xml><?xml version="1.0" encoding="utf-8"?>
+<file path=ppt/slides/slide27.xml><?xml version="1.0" encoding="utf-8"?>
 <p:sld xmlns:a="http://schemas.openxmlformats.org/drawingml/2006/main" xmlns:r="http://schemas.openxmlformats.org/officeDocument/2006/relationships" xmlns:p="http://schemas.openxmlformats.org/presentationml/2006/main">
   <p:cSld>
     <p:spTree>
@@ -7732,7 +7821,7 @@
 </p:sld>
 </file>
 
-<file path=ppt/slides/slide27.xml><?xml version="1.0" encoding="utf-8"?>
+<file path=ppt/slides/slide28.xml><?xml version="1.0" encoding="utf-8"?>
 <p:sld xmlns:a="http://schemas.openxmlformats.org/drawingml/2006/main" xmlns:r="http://schemas.openxmlformats.org/officeDocument/2006/relationships" xmlns:p="http://schemas.openxmlformats.org/presentationml/2006/main">
   <p:cSld>
     <p:spTree>
@@ -7847,7 +7936,7 @@
 </p:sld>
 </file>
 
-<file path=ppt/slides/slide28.xml><?xml version="1.0" encoding="utf-8"?>
+<file path=ppt/slides/slide29.xml><?xml version="1.0" encoding="utf-8"?>
 <p:sld xmlns:a="http://schemas.openxmlformats.org/drawingml/2006/main" xmlns:r="http://schemas.openxmlformats.org/officeDocument/2006/relationships" xmlns:p="http://schemas.openxmlformats.org/presentationml/2006/main">
   <p:cSld>
     <p:spTree>
@@ -7981,106 +8070,6 @@
 </p:sld>
 </file>
 
-<file path=ppt/slides/slide29.xml><?xml version="1.0" encoding="utf-8"?>
-<p:sld xmlns:a="http://schemas.openxmlformats.org/drawingml/2006/main" xmlns:r="http://schemas.openxmlformats.org/officeDocument/2006/relationships" xmlns:p="http://schemas.openxmlformats.org/presentationml/2006/main">
-  <p:cSld>
-    <p:spTree>
-      <p:nvGrpSpPr>
-        <p:cNvPr id="1" name=""/>
-        <p:cNvGrpSpPr/>
-        <p:nvPr/>
-      </p:nvGrpSpPr>
-      <p:grpSpPr>
-        <a:xfrm>
-          <a:off x="0" y="0"/>
-          <a:ext cx="0" cy="0"/>
-          <a:chOff x="0" y="0"/>
-          <a:chExt cx="0" cy="0"/>
-        </a:xfrm>
-      </p:grpSpPr>
-      <p:sp>
-        <p:nvSpPr>
-          <p:cNvPr id="2" name="Titre 1"/>
-          <p:cNvSpPr>
-            <a:spLocks noGrp="1"/>
-          </p:cNvSpPr>
-          <p:nvPr>
-            <p:ph type="title"/>
-          </p:nvPr>
-        </p:nvSpPr>
-        <p:spPr/>
-        <p:txBody>
-          <a:bodyPr/>
-          <a:lstStyle/>
-          <a:p>
-            <a:r>
-              <a:rPr lang="fr-FR" dirty="0"/>
-              <a:t>Asymétrie</a:t>
-            </a:r>
-          </a:p>
-        </p:txBody>
-      </p:sp>
-      <p:sp>
-        <p:nvSpPr>
-          <p:cNvPr id="3" name="Espace réservé du contenu 2"/>
-          <p:cNvSpPr>
-            <a:spLocks noGrp="1"/>
-          </p:cNvSpPr>
-          <p:nvPr>
-            <p:ph idx="1"/>
-          </p:nvPr>
-        </p:nvSpPr>
-        <p:spPr/>
-        <p:txBody>
-          <a:bodyPr/>
-          <a:lstStyle/>
-          <a:p>
-            <a:r>
-              <a:rPr lang="fr-FR" dirty="0"/>
-              <a:t>Les réseaux neuronaux sont </a:t>
-            </a:r>
-            <a:r>
-              <a:rPr lang="fr-FR"/>
-              <a:t>des modèles asymétriques</a:t>
-            </a:r>
-            <a:endParaRPr lang="fr-FR" dirty="0"/>
-          </a:p>
-          <a:p>
-            <a:pPr lvl="1"/>
-            <a:r>
-              <a:rPr lang="fr-FR" dirty="0"/>
-              <a:t>Apprentissage couteux</a:t>
-            </a:r>
-          </a:p>
-          <a:p>
-            <a:pPr lvl="1"/>
-            <a:r>
-              <a:rPr lang="fr-FR" dirty="0"/>
-              <a:t>Prédiction rapide</a:t>
-            </a:r>
-          </a:p>
-          <a:p>
-            <a:pPr lvl="1"/>
-            <a:r>
-              <a:rPr lang="fr-FR" dirty="0"/>
-              <a:t>Très utile</a:t>
-            </a:r>
-          </a:p>
-        </p:txBody>
-      </p:sp>
-    </p:spTree>
-    <p:extLst>
-      <p:ext uri="{BB962C8B-B14F-4D97-AF65-F5344CB8AC3E}">
-        <p14:creationId xmlns:p14="http://schemas.microsoft.com/office/powerpoint/2010/main" val="1946835064"/>
-      </p:ext>
-    </p:extLst>
-  </p:cSld>
-  <p:clrMapOvr>
-    <a:masterClrMapping/>
-  </p:clrMapOvr>
-</p:sld>
-</file>
-
 <file path=ppt/slides/slide3.xml><?xml version="1.0" encoding="utf-8"?>
 <p:sld xmlns:a="http://schemas.openxmlformats.org/drawingml/2006/main" xmlns:r="http://schemas.openxmlformats.org/officeDocument/2006/relationships" xmlns:p="http://schemas.openxmlformats.org/presentationml/2006/main">
   <p:cSld>
@@ -8100,7 +8089,13 @@
       </p:grpSpPr>
       <p:sp>
         <p:nvSpPr>
-          <p:cNvPr id="2" name="Titre 1"/>
+          <p:cNvPr id="2" name="Titre 1">
+            <a:extLst>
+              <a:ext uri="{FF2B5EF4-FFF2-40B4-BE49-F238E27FC236}">
+                <a16:creationId xmlns:a16="http://schemas.microsoft.com/office/drawing/2014/main" id="{10623EF0-3F89-B93C-B4F5-DD64F4B5A4AD}"/>
+              </a:ext>
+            </a:extLst>
+          </p:cNvPr>
           <p:cNvSpPr>
             <a:spLocks noGrp="1"/>
           </p:cNvSpPr>
@@ -8114,15 +8109,22 @@
           <a:lstStyle/>
           <a:p>
             <a:r>
-              <a:rPr lang="fr-FR" dirty="0"/>
-              <a:t>CPU, GPU, TPU</a:t>
-            </a:r>
+              <a:rPr lang="fr-FR" dirty="0" err="1"/>
+              <a:t>Frameworks</a:t>
+            </a:r>
+            <a:endParaRPr lang="fr-FR" dirty="0"/>
           </a:p>
         </p:txBody>
       </p:sp>
       <p:sp>
         <p:nvSpPr>
-          <p:cNvPr id="3" name="Espace réservé du contenu 2"/>
+          <p:cNvPr id="3" name="Espace réservé du contenu 2">
+            <a:extLst>
+              <a:ext uri="{FF2B5EF4-FFF2-40B4-BE49-F238E27FC236}">
+                <a16:creationId xmlns:a16="http://schemas.microsoft.com/office/drawing/2014/main" id="{99306F81-32CB-7C16-D1AA-89B50707E332}"/>
+              </a:ext>
+            </a:extLst>
+          </p:cNvPr>
           <p:cNvSpPr>
             <a:spLocks noGrp="1"/>
           </p:cNvSpPr>
@@ -8136,106 +8138,37 @@
           <a:lstStyle/>
           <a:p>
             <a:r>
+              <a:rPr lang="fr-FR" dirty="0"/>
+              <a:t>Facebook </a:t>
+            </a:r>
+            <a:r>
               <a:rPr lang="fr-FR" dirty="0" err="1"/>
-              <a:t>TensorFlow</a:t>
-            </a:r>
-            <a:r>
-              <a:rPr lang="fr-FR" dirty="0"/>
-              <a:t> est multiple CPU</a:t>
-            </a:r>
-          </a:p>
-          <a:p>
+              <a:t>PyTorch</a:t>
+            </a:r>
+            <a:endParaRPr lang="fr-FR" dirty="0"/>
+          </a:p>
+          <a:p>
+            <a:r>
+              <a:rPr lang="fr-FR" dirty="0"/>
+              <a:t>Azure ML</a:t>
+            </a:r>
+          </a:p>
+          <a:p>
+            <a:r>
+              <a:rPr lang="fr-FR" dirty="0"/>
+              <a:t>Google </a:t>
+            </a:r>
             <a:r>
               <a:rPr lang="fr-FR" dirty="0" err="1"/>
-              <a:t>TensorFlow</a:t>
-            </a:r>
-            <a:r>
-              <a:rPr lang="fr-FR" dirty="0"/>
-              <a:t> est GPU</a:t>
-            </a:r>
-          </a:p>
-          <a:p>
-            <a:pPr lvl="1"/>
-            <a:r>
-              <a:rPr lang="fr-FR" dirty="0"/>
-              <a:t>Raison du Succès</a:t>
-            </a:r>
-          </a:p>
-          <a:p>
-            <a:pPr lvl="1"/>
-            <a:r>
-              <a:rPr lang="fr-FR" dirty="0"/>
-              <a:t>Technologies GPGPU et GPPGPU</a:t>
-            </a:r>
-          </a:p>
-          <a:p>
-            <a:r>
-              <a:rPr lang="fr-FR" dirty="0" err="1"/>
-              <a:t>TensorFlow</a:t>
-            </a:r>
-            <a:r>
-              <a:rPr lang="fr-FR" dirty="0"/>
-              <a:t> est TPU</a:t>
-            </a:r>
-          </a:p>
-          <a:p>
-            <a:pPr lvl="1"/>
-            <a:r>
-              <a:rPr lang="fr-FR" dirty="0" err="1"/>
-              <a:t>Tensor</a:t>
-            </a:r>
-            <a:r>
-              <a:rPr lang="fr-FR" dirty="0"/>
-              <a:t> </a:t>
-            </a:r>
-            <a:r>
-              <a:rPr lang="fr-FR" dirty="0" err="1"/>
-              <a:t>Processing</a:t>
-            </a:r>
-            <a:r>
-              <a:rPr lang="fr-FR" dirty="0"/>
-              <a:t> Unit</a:t>
-            </a:r>
-          </a:p>
-          <a:p>
-            <a:pPr lvl="1"/>
-            <a:r>
-              <a:rPr lang="fr-FR" dirty="0"/>
-              <a:t>Uniquement pour le </a:t>
-            </a:r>
-            <a:r>
-              <a:rPr lang="fr-FR" dirty="0" err="1"/>
-              <a:t>deep</a:t>
-            </a:r>
-            <a:r>
-              <a:rPr lang="fr-FR" dirty="0"/>
-              <a:t> </a:t>
-            </a:r>
-            <a:r>
-              <a:rPr lang="fr-FR" dirty="0" err="1"/>
-              <a:t>learning</a:t>
+              <a:t>Tensorflow</a:t>
             </a:r>
             <a:endParaRPr lang="fr-FR" dirty="0"/>
           </a:p>
           <a:p>
-            <a:pPr lvl="1"/>
-            <a:r>
-              <a:rPr lang="fr-FR" dirty="0"/>
-              <a:t>Format propriétaire Google Cloud ML</a:t>
-            </a:r>
-          </a:p>
-          <a:p>
-            <a:r>
-              <a:rPr lang="fr-FR" dirty="0"/>
-              <a:t>CPU, GPU et TPU sont génériques grâce à ABC</a:t>
-            </a:r>
-          </a:p>
-          <a:p>
-            <a:pPr lvl="1"/>
-            <a:endParaRPr lang="fr-FR" dirty="0"/>
-          </a:p>
-          <a:p>
-            <a:pPr lvl="1"/>
+            <a:r>
+              <a:rPr lang="fr-FR"/>
+              <a:t>SparkML</a:t>
+            </a:r>
             <a:endParaRPr lang="fr-FR" dirty="0"/>
           </a:p>
         </p:txBody>
@@ -8243,7 +8176,7 @@
     </p:spTree>
     <p:extLst>
       <p:ext uri="{BB962C8B-B14F-4D97-AF65-F5344CB8AC3E}">
-        <p14:creationId xmlns:p14="http://schemas.microsoft.com/office/powerpoint/2010/main" val="3524914859"/>
+        <p14:creationId xmlns:p14="http://schemas.microsoft.com/office/powerpoint/2010/main" val="1437760631"/>
       </p:ext>
     </p:extLst>
   </p:cSld>
@@ -8254,6 +8187,106 @@
 </file>
 
 <file path=ppt/slides/slide30.xml><?xml version="1.0" encoding="utf-8"?>
+<p:sld xmlns:a="http://schemas.openxmlformats.org/drawingml/2006/main" xmlns:r="http://schemas.openxmlformats.org/officeDocument/2006/relationships" xmlns:p="http://schemas.openxmlformats.org/presentationml/2006/main">
+  <p:cSld>
+    <p:spTree>
+      <p:nvGrpSpPr>
+        <p:cNvPr id="1" name=""/>
+        <p:cNvGrpSpPr/>
+        <p:nvPr/>
+      </p:nvGrpSpPr>
+      <p:grpSpPr>
+        <a:xfrm>
+          <a:off x="0" y="0"/>
+          <a:ext cx="0" cy="0"/>
+          <a:chOff x="0" y="0"/>
+          <a:chExt cx="0" cy="0"/>
+        </a:xfrm>
+      </p:grpSpPr>
+      <p:sp>
+        <p:nvSpPr>
+          <p:cNvPr id="2" name="Titre 1"/>
+          <p:cNvSpPr>
+            <a:spLocks noGrp="1"/>
+          </p:cNvSpPr>
+          <p:nvPr>
+            <p:ph type="title"/>
+          </p:nvPr>
+        </p:nvSpPr>
+        <p:spPr/>
+        <p:txBody>
+          <a:bodyPr/>
+          <a:lstStyle/>
+          <a:p>
+            <a:r>
+              <a:rPr lang="fr-FR" dirty="0"/>
+              <a:t>Asymétrie</a:t>
+            </a:r>
+          </a:p>
+        </p:txBody>
+      </p:sp>
+      <p:sp>
+        <p:nvSpPr>
+          <p:cNvPr id="3" name="Espace réservé du contenu 2"/>
+          <p:cNvSpPr>
+            <a:spLocks noGrp="1"/>
+          </p:cNvSpPr>
+          <p:nvPr>
+            <p:ph idx="1"/>
+          </p:nvPr>
+        </p:nvSpPr>
+        <p:spPr/>
+        <p:txBody>
+          <a:bodyPr/>
+          <a:lstStyle/>
+          <a:p>
+            <a:r>
+              <a:rPr lang="fr-FR" dirty="0"/>
+              <a:t>Les réseaux neuronaux sont </a:t>
+            </a:r>
+            <a:r>
+              <a:rPr lang="fr-FR"/>
+              <a:t>des modèles asymétriques</a:t>
+            </a:r>
+            <a:endParaRPr lang="fr-FR" dirty="0"/>
+          </a:p>
+          <a:p>
+            <a:pPr lvl="1"/>
+            <a:r>
+              <a:rPr lang="fr-FR" dirty="0"/>
+              <a:t>Apprentissage couteux</a:t>
+            </a:r>
+          </a:p>
+          <a:p>
+            <a:pPr lvl="1"/>
+            <a:r>
+              <a:rPr lang="fr-FR" dirty="0"/>
+              <a:t>Prédiction rapide</a:t>
+            </a:r>
+          </a:p>
+          <a:p>
+            <a:pPr lvl="1"/>
+            <a:r>
+              <a:rPr lang="fr-FR" dirty="0"/>
+              <a:t>Très utile</a:t>
+            </a:r>
+          </a:p>
+        </p:txBody>
+      </p:sp>
+    </p:spTree>
+    <p:extLst>
+      <p:ext uri="{BB962C8B-B14F-4D97-AF65-F5344CB8AC3E}">
+        <p14:creationId xmlns:p14="http://schemas.microsoft.com/office/powerpoint/2010/main" val="1946835064"/>
+      </p:ext>
+    </p:extLst>
+  </p:cSld>
+  <p:clrMapOvr>
+    <a:masterClrMapping/>
+  </p:clrMapOvr>
+</p:sld>
+</file>
+
+<file path=ppt/slides/slide31.xml><?xml version="1.0" encoding="utf-8"?>
 <p:sld xmlns:a="http://schemas.openxmlformats.org/drawingml/2006/main" xmlns:r="http://schemas.openxmlformats.org/officeDocument/2006/relationships" xmlns:p="http://schemas.openxmlformats.org/presentationml/2006/main">
   <p:cSld>
     <p:spTree>
@@ -8522,7 +8555,7 @@
 </p:sld>
 </file>
 
-<file path=ppt/slides/slide31.xml><?xml version="1.0" encoding="utf-8"?>
+<file path=ppt/slides/slide32.xml><?xml version="1.0" encoding="utf-8"?>
 <p:sld xmlns:a="http://schemas.openxmlformats.org/drawingml/2006/main" xmlns:r="http://schemas.openxmlformats.org/officeDocument/2006/relationships" xmlns:p="http://schemas.openxmlformats.org/presentationml/2006/main">
   <p:cSld>
     <p:spTree>
@@ -8635,7 +8668,7 @@
 </p:sld>
 </file>
 
-<file path=ppt/slides/slide32.xml><?xml version="1.0" encoding="utf-8"?>
+<file path=ppt/slides/slide33.xml><?xml version="1.0" encoding="utf-8"?>
 <p:sld xmlns:a="http://schemas.openxmlformats.org/drawingml/2006/main" xmlns:r="http://schemas.openxmlformats.org/officeDocument/2006/relationships" xmlns:p="http://schemas.openxmlformats.org/presentationml/2006/main">
   <p:cSld>
     <p:spTree>
@@ -8736,7 +8769,7 @@
 </p:sld>
 </file>
 
-<file path=ppt/slides/slide33.xml><?xml version="1.0" encoding="utf-8"?>
+<file path=ppt/slides/slide34.xml><?xml version="1.0" encoding="utf-8"?>
 <p:sld xmlns:a="http://schemas.openxmlformats.org/drawingml/2006/main" xmlns:r="http://schemas.openxmlformats.org/officeDocument/2006/relationships" xmlns:p="http://schemas.openxmlformats.org/presentationml/2006/main">
   <p:cSld>
     <p:spTree>
@@ -8907,7 +8940,7 @@
 </p:sld>
 </file>
 
-<file path=ppt/slides/slide34.xml><?xml version="1.0" encoding="utf-8"?>
+<file path=ppt/slides/slide35.xml><?xml version="1.0" encoding="utf-8"?>
 <p:sld xmlns:a="http://schemas.openxmlformats.org/drawingml/2006/main" xmlns:r="http://schemas.openxmlformats.org/officeDocument/2006/relationships" xmlns:p="http://schemas.openxmlformats.org/presentationml/2006/main">
   <p:cSld>
     <p:spTree>
@@ -9001,7 +9034,7 @@
 </p:sld>
 </file>
 
-<file path=ppt/slides/slide35.xml><?xml version="1.0" encoding="utf-8"?>
+<file path=ppt/slides/slide36.xml><?xml version="1.0" encoding="utf-8"?>
 <p:sld xmlns:a="http://schemas.openxmlformats.org/drawingml/2006/main" xmlns:r="http://schemas.openxmlformats.org/officeDocument/2006/relationships" xmlns:p="http://schemas.openxmlformats.org/presentationml/2006/main">
   <p:cSld>
     <p:spTree>
@@ -9177,7 +9210,7 @@
 </p:sld>
 </file>
 
-<file path=ppt/slides/slide36.xml><?xml version="1.0" encoding="utf-8"?>
+<file path=ppt/slides/slide37.xml><?xml version="1.0" encoding="utf-8"?>
 <p:sld xmlns:a="http://schemas.openxmlformats.org/drawingml/2006/main" xmlns:r="http://schemas.openxmlformats.org/officeDocument/2006/relationships" xmlns:p="http://schemas.openxmlformats.org/presentationml/2006/main">
   <p:cSld>
     <p:spTree>
@@ -9285,7 +9318,7 @@
 </p:sld>
 </file>
 
-<file path=ppt/slides/slide37.xml><?xml version="1.0" encoding="utf-8"?>
+<file path=ppt/slides/slide38.xml><?xml version="1.0" encoding="utf-8"?>
 <p:sld xmlns:a="http://schemas.openxmlformats.org/drawingml/2006/main" xmlns:r="http://schemas.openxmlformats.org/officeDocument/2006/relationships" xmlns:p="http://schemas.openxmlformats.org/presentationml/2006/main">
   <p:cSld>
     <p:spTree>
@@ -9417,7 +9450,7 @@
 </p:sld>
 </file>
 
-<file path=ppt/slides/slide38.xml><?xml version="1.0" encoding="utf-8"?>
+<file path=ppt/slides/slide39.xml><?xml version="1.0" encoding="utf-8"?>
 <p:sld xmlns:a="http://schemas.openxmlformats.org/drawingml/2006/main" xmlns:r="http://schemas.openxmlformats.org/officeDocument/2006/relationships" xmlns:p="http://schemas.openxmlformats.org/presentationml/2006/main">
   <p:cSld>
     <p:spTree>
@@ -9560,160 +9593,6 @@
 </p:sld>
 </file>
 
-<file path=ppt/slides/slide39.xml><?xml version="1.0" encoding="utf-8"?>
-<p:sld xmlns:a="http://schemas.openxmlformats.org/drawingml/2006/main" xmlns:r="http://schemas.openxmlformats.org/officeDocument/2006/relationships" xmlns:p="http://schemas.openxmlformats.org/presentationml/2006/main">
-  <p:cSld>
-    <p:spTree>
-      <p:nvGrpSpPr>
-        <p:cNvPr id="1" name=""/>
-        <p:cNvGrpSpPr/>
-        <p:nvPr/>
-      </p:nvGrpSpPr>
-      <p:grpSpPr>
-        <a:xfrm>
-          <a:off x="0" y="0"/>
-          <a:ext cx="0" cy="0"/>
-          <a:chOff x="0" y="0"/>
-          <a:chExt cx="0" cy="0"/>
-        </a:xfrm>
-      </p:grpSpPr>
-      <p:sp>
-        <p:nvSpPr>
-          <p:cNvPr id="2" name="Titre 1"/>
-          <p:cNvSpPr>
-            <a:spLocks noGrp="1"/>
-          </p:cNvSpPr>
-          <p:nvPr>
-            <p:ph type="title"/>
-          </p:nvPr>
-        </p:nvSpPr>
-        <p:spPr/>
-        <p:txBody>
-          <a:bodyPr/>
-          <a:lstStyle/>
-          <a:p>
-            <a:r>
-              <a:rPr lang="fr-FR" dirty="0"/>
-              <a:t>Vocabulaire</a:t>
-            </a:r>
-          </a:p>
-        </p:txBody>
-      </p:sp>
-      <p:sp>
-        <p:nvSpPr>
-          <p:cNvPr id="3" name="Espace réservé du contenu 2"/>
-          <p:cNvSpPr>
-            <a:spLocks noGrp="1"/>
-          </p:cNvSpPr>
-          <p:nvPr>
-            <p:ph idx="1"/>
-          </p:nvPr>
-        </p:nvSpPr>
-        <p:spPr/>
-        <p:txBody>
-          <a:bodyPr/>
-          <a:lstStyle/>
-          <a:p>
-            <a:r>
-              <a:rPr lang="fr-FR" sz="2400" dirty="0" err="1"/>
-              <a:t>TensorFlow</a:t>
-            </a:r>
-            <a:r>
-              <a:rPr lang="fr-FR" sz="2400" dirty="0"/>
-              <a:t> et </a:t>
-            </a:r>
-            <a:r>
-              <a:rPr lang="fr-FR" sz="2400" dirty="0" err="1"/>
-              <a:t>SKLearn</a:t>
-            </a:r>
-            <a:r>
-              <a:rPr lang="fr-FR" sz="2400" dirty="0"/>
-              <a:t> n’utilisent pas le même vocabulaire</a:t>
-            </a:r>
-          </a:p>
-          <a:p>
-            <a:r>
-              <a:rPr lang="fr-FR" sz="2400" dirty="0" err="1"/>
-              <a:t>TrainingSet</a:t>
-            </a:r>
-            <a:endParaRPr lang="fr-FR" sz="2400" dirty="0"/>
-          </a:p>
-          <a:p>
-            <a:pPr lvl="1"/>
-            <a:r>
-              <a:rPr lang="fr-FR" sz="2000" dirty="0"/>
-              <a:t>Jeux d’entrainement</a:t>
-            </a:r>
-          </a:p>
-          <a:p>
-            <a:pPr lvl="1"/>
-            <a:r>
-              <a:rPr lang="fr-FR" sz="2000" dirty="0"/>
-              <a:t>Calcul du </a:t>
-            </a:r>
-            <a:r>
-              <a:rPr lang="fr-FR" sz="2000" dirty="0" err="1"/>
-              <a:t>Loss</a:t>
-            </a:r>
-            <a:endParaRPr lang="fr-FR" sz="2000" dirty="0"/>
-          </a:p>
-          <a:p>
-            <a:r>
-              <a:rPr lang="fr-FR" sz="2400" dirty="0" err="1"/>
-              <a:t>ValidationSet</a:t>
-            </a:r>
-            <a:endParaRPr lang="fr-FR" sz="2400" dirty="0"/>
-          </a:p>
-          <a:p>
-            <a:pPr lvl="1"/>
-            <a:r>
-              <a:rPr lang="fr-FR" sz="2000" dirty="0"/>
-              <a:t>Jeux pour mesurer la qualité du modèle</a:t>
-            </a:r>
-          </a:p>
-          <a:p>
-            <a:pPr lvl="1"/>
-            <a:r>
-              <a:rPr lang="fr-FR" sz="2000" dirty="0"/>
-              <a:t>Ne doit jamais être vu du modèle</a:t>
-            </a:r>
-          </a:p>
-          <a:p>
-            <a:r>
-              <a:rPr lang="fr-FR" sz="2400" dirty="0" err="1"/>
-              <a:t>TestSet</a:t>
-            </a:r>
-            <a:endParaRPr lang="fr-FR" sz="2400" dirty="0"/>
-          </a:p>
-          <a:p>
-            <a:pPr lvl="1"/>
-            <a:r>
-              <a:rPr lang="fr-FR" sz="2000" dirty="0"/>
-              <a:t>Recette final</a:t>
-            </a:r>
-          </a:p>
-          <a:p>
-            <a:pPr lvl="1"/>
-            <a:r>
-              <a:rPr lang="fr-FR" sz="2000" dirty="0"/>
-              <a:t>Ne doit jamais être vu des développeurs</a:t>
-            </a:r>
-          </a:p>
-        </p:txBody>
-      </p:sp>
-    </p:spTree>
-    <p:extLst>
-      <p:ext uri="{BB962C8B-B14F-4D97-AF65-F5344CB8AC3E}">
-        <p14:creationId xmlns:p14="http://schemas.microsoft.com/office/powerpoint/2010/main" val="1521370590"/>
-      </p:ext>
-    </p:extLst>
-  </p:cSld>
-  <p:clrMapOvr>
-    <a:masterClrMapping/>
-  </p:clrMapOvr>
-</p:sld>
-</file>
-
 <file path=ppt/slides/slide4.xml><?xml version="1.0" encoding="utf-8"?>
 <p:sld xmlns:a="http://schemas.openxmlformats.org/drawingml/2006/main" xmlns:r="http://schemas.openxmlformats.org/officeDocument/2006/relationships" xmlns:p="http://schemas.openxmlformats.org/presentationml/2006/main">
   <p:cSld>
@@ -9748,7 +9627,7 @@
           <a:p>
             <a:r>
               <a:rPr lang="fr-FR" dirty="0"/>
-              <a:t>Installation</a:t>
+              <a:t>CPU, GPU, TPU</a:t>
             </a:r>
           </a:p>
         </p:txBody>
@@ -9770,7 +9649,52 @@
           <a:p>
             <a:r>
               <a:rPr lang="fr-FR" dirty="0" err="1"/>
-              <a:t>pip</a:t>
+              <a:t>TensorFlow</a:t>
+            </a:r>
+            <a:r>
+              <a:rPr lang="fr-FR" dirty="0"/>
+              <a:t> est multiple CPU</a:t>
+            </a:r>
+          </a:p>
+          <a:p>
+            <a:r>
+              <a:rPr lang="fr-FR" dirty="0" err="1"/>
+              <a:t>TensorFlow</a:t>
+            </a:r>
+            <a:r>
+              <a:rPr lang="fr-FR" dirty="0"/>
+              <a:t> est GPU</a:t>
+            </a:r>
+          </a:p>
+          <a:p>
+            <a:pPr lvl="1"/>
+            <a:r>
+              <a:rPr lang="fr-FR" dirty="0"/>
+              <a:t>Raison du Succès</a:t>
+            </a:r>
+          </a:p>
+          <a:p>
+            <a:pPr lvl="1"/>
+            <a:r>
+              <a:rPr lang="fr-FR" dirty="0"/>
+              <a:t>Technologies GPGPU et GPPGPU</a:t>
+            </a:r>
+          </a:p>
+          <a:p>
+            <a:r>
+              <a:rPr lang="fr-FR" dirty="0" err="1"/>
+              <a:t>TensorFlow</a:t>
+            </a:r>
+            <a:r>
+              <a:rPr lang="fr-FR" dirty="0"/>
+              <a:t> est TPU</a:t>
+            </a:r>
+          </a:p>
+          <a:p>
+            <a:pPr lvl="1"/>
+            <a:r>
+              <a:rPr lang="fr-FR" dirty="0" err="1"/>
+              <a:t>Tensor</a:t>
             </a:r>
             <a:r>
               <a:rPr lang="fr-FR" dirty="0"/>
@@ -9778,7 +9702,22 @@
             </a:r>
             <a:r>
               <a:rPr lang="fr-FR" dirty="0" err="1"/>
-              <a:t>install</a:t>
+              <a:t>Processing</a:t>
+            </a:r>
+            <a:r>
+              <a:rPr lang="fr-FR" dirty="0"/>
+              <a:t> Unit</a:t>
+            </a:r>
+          </a:p>
+          <a:p>
+            <a:pPr lvl="1"/>
+            <a:r>
+              <a:rPr lang="fr-FR" dirty="0"/>
+              <a:t>Uniquement pour le </a:t>
+            </a:r>
+            <a:r>
+              <a:rPr lang="fr-FR" dirty="0" err="1"/>
+              <a:t>deep</a:t>
             </a:r>
             <a:r>
               <a:rPr lang="fr-FR" dirty="0"/>
@@ -9786,34 +9725,29 @@
             </a:r>
             <a:r>
               <a:rPr lang="fr-FR" dirty="0" err="1"/>
-              <a:t>tensorflow</a:t>
+              <a:t>learning</a:t>
             </a:r>
             <a:endParaRPr lang="fr-FR" dirty="0"/>
           </a:p>
           <a:p>
-            <a:r>
-              <a:rPr lang="fr-FR" dirty="0"/>
-              <a:t>Test</a:t>
-            </a:r>
-          </a:p>
-          <a:p>
             <a:pPr lvl="1"/>
             <a:r>
               <a:rPr lang="fr-FR" dirty="0"/>
-              <a:t>import </a:t>
-            </a:r>
-            <a:r>
-              <a:rPr lang="fr-FR" dirty="0" err="1"/>
-              <a:t>tensorflow</a:t>
-            </a:r>
-            <a:r>
-              <a:rPr lang="fr-FR" dirty="0"/>
-              <a:t> as </a:t>
-            </a:r>
-            <a:r>
-              <a:rPr lang="fr-FR" dirty="0" err="1"/>
-              <a:t>tf</a:t>
-            </a:r>
+              <a:t>Format propriétaire Google Cloud ML</a:t>
+            </a:r>
+          </a:p>
+          <a:p>
+            <a:r>
+              <a:rPr lang="fr-FR" dirty="0"/>
+              <a:t>CPU, GPU et TPU sont génériques grâce à ABC</a:t>
+            </a:r>
+          </a:p>
+          <a:p>
+            <a:pPr lvl="1"/>
+            <a:endParaRPr lang="fr-FR" dirty="0"/>
+          </a:p>
+          <a:p>
+            <a:pPr lvl="1"/>
             <a:endParaRPr lang="fr-FR" dirty="0"/>
           </a:p>
         </p:txBody>
@@ -9821,7 +9755,7 @@
     </p:spTree>
     <p:extLst>
       <p:ext uri="{BB962C8B-B14F-4D97-AF65-F5344CB8AC3E}">
-        <p14:creationId xmlns:p14="http://schemas.microsoft.com/office/powerpoint/2010/main" val="833785197"/>
+        <p14:creationId xmlns:p14="http://schemas.microsoft.com/office/powerpoint/2010/main" val="3524914859"/>
       </p:ext>
     </p:extLst>
   </p:cSld>
@@ -9865,6 +9799,160 @@
           <a:p>
             <a:r>
               <a:rPr lang="fr-FR" dirty="0"/>
+              <a:t>Vocabulaire</a:t>
+            </a:r>
+          </a:p>
+        </p:txBody>
+      </p:sp>
+      <p:sp>
+        <p:nvSpPr>
+          <p:cNvPr id="3" name="Espace réservé du contenu 2"/>
+          <p:cNvSpPr>
+            <a:spLocks noGrp="1"/>
+          </p:cNvSpPr>
+          <p:nvPr>
+            <p:ph idx="1"/>
+          </p:nvPr>
+        </p:nvSpPr>
+        <p:spPr/>
+        <p:txBody>
+          <a:bodyPr/>
+          <a:lstStyle/>
+          <a:p>
+            <a:r>
+              <a:rPr lang="fr-FR" sz="2400" dirty="0" err="1"/>
+              <a:t>TensorFlow</a:t>
+            </a:r>
+            <a:r>
+              <a:rPr lang="fr-FR" sz="2400" dirty="0"/>
+              <a:t> et </a:t>
+            </a:r>
+            <a:r>
+              <a:rPr lang="fr-FR" sz="2400" dirty="0" err="1"/>
+              <a:t>SKLearn</a:t>
+            </a:r>
+            <a:r>
+              <a:rPr lang="fr-FR" sz="2400" dirty="0"/>
+              <a:t> n’utilisent pas le même vocabulaire</a:t>
+            </a:r>
+          </a:p>
+          <a:p>
+            <a:r>
+              <a:rPr lang="fr-FR" sz="2400" dirty="0" err="1"/>
+              <a:t>TrainingSet</a:t>
+            </a:r>
+            <a:endParaRPr lang="fr-FR" sz="2400" dirty="0"/>
+          </a:p>
+          <a:p>
+            <a:pPr lvl="1"/>
+            <a:r>
+              <a:rPr lang="fr-FR" sz="2000" dirty="0"/>
+              <a:t>Jeux d’entrainement</a:t>
+            </a:r>
+          </a:p>
+          <a:p>
+            <a:pPr lvl="1"/>
+            <a:r>
+              <a:rPr lang="fr-FR" sz="2000" dirty="0"/>
+              <a:t>Calcul du </a:t>
+            </a:r>
+            <a:r>
+              <a:rPr lang="fr-FR" sz="2000" dirty="0" err="1"/>
+              <a:t>Loss</a:t>
+            </a:r>
+            <a:endParaRPr lang="fr-FR" sz="2000" dirty="0"/>
+          </a:p>
+          <a:p>
+            <a:r>
+              <a:rPr lang="fr-FR" sz="2400" dirty="0" err="1"/>
+              <a:t>ValidationSet</a:t>
+            </a:r>
+            <a:endParaRPr lang="fr-FR" sz="2400" dirty="0"/>
+          </a:p>
+          <a:p>
+            <a:pPr lvl="1"/>
+            <a:r>
+              <a:rPr lang="fr-FR" sz="2000" dirty="0"/>
+              <a:t>Jeux pour mesurer la qualité du modèle</a:t>
+            </a:r>
+          </a:p>
+          <a:p>
+            <a:pPr lvl="1"/>
+            <a:r>
+              <a:rPr lang="fr-FR" sz="2000" dirty="0"/>
+              <a:t>Ne doit jamais être vu du modèle</a:t>
+            </a:r>
+          </a:p>
+          <a:p>
+            <a:r>
+              <a:rPr lang="fr-FR" sz="2400" dirty="0" err="1"/>
+              <a:t>TestSet</a:t>
+            </a:r>
+            <a:endParaRPr lang="fr-FR" sz="2400" dirty="0"/>
+          </a:p>
+          <a:p>
+            <a:pPr lvl="1"/>
+            <a:r>
+              <a:rPr lang="fr-FR" sz="2000" dirty="0"/>
+              <a:t>Recette final</a:t>
+            </a:r>
+          </a:p>
+          <a:p>
+            <a:pPr lvl="1"/>
+            <a:r>
+              <a:rPr lang="fr-FR" sz="2000" dirty="0"/>
+              <a:t>Ne doit jamais être vu des développeurs</a:t>
+            </a:r>
+          </a:p>
+        </p:txBody>
+      </p:sp>
+    </p:spTree>
+    <p:extLst>
+      <p:ext uri="{BB962C8B-B14F-4D97-AF65-F5344CB8AC3E}">
+        <p14:creationId xmlns:p14="http://schemas.microsoft.com/office/powerpoint/2010/main" val="1521370590"/>
+      </p:ext>
+    </p:extLst>
+  </p:cSld>
+  <p:clrMapOvr>
+    <a:masterClrMapping/>
+  </p:clrMapOvr>
+</p:sld>
+</file>
+
+<file path=ppt/slides/slide41.xml><?xml version="1.0" encoding="utf-8"?>
+<p:sld xmlns:a="http://schemas.openxmlformats.org/drawingml/2006/main" xmlns:r="http://schemas.openxmlformats.org/officeDocument/2006/relationships" xmlns:p="http://schemas.openxmlformats.org/presentationml/2006/main">
+  <p:cSld>
+    <p:spTree>
+      <p:nvGrpSpPr>
+        <p:cNvPr id="1" name=""/>
+        <p:cNvGrpSpPr/>
+        <p:nvPr/>
+      </p:nvGrpSpPr>
+      <p:grpSpPr>
+        <a:xfrm>
+          <a:off x="0" y="0"/>
+          <a:ext cx="0" cy="0"/>
+          <a:chOff x="0" y="0"/>
+          <a:chExt cx="0" cy="0"/>
+        </a:xfrm>
+      </p:grpSpPr>
+      <p:sp>
+        <p:nvSpPr>
+          <p:cNvPr id="2" name="Titre 1"/>
+          <p:cNvSpPr>
+            <a:spLocks noGrp="1"/>
+          </p:cNvSpPr>
+          <p:nvPr>
+            <p:ph type="title"/>
+          </p:nvPr>
+        </p:nvSpPr>
+        <p:spPr/>
+        <p:txBody>
+          <a:bodyPr/>
+          <a:lstStyle/>
+          <a:p>
+            <a:r>
+              <a:rPr lang="fr-FR" dirty="0"/>
               <a:t>Compréhension des résultats</a:t>
             </a:r>
           </a:p>
@@ -10090,7 +10178,7 @@
 </p:sld>
 </file>
 
-<file path=ppt/slides/slide41.xml><?xml version="1.0" encoding="utf-8"?>
+<file path=ppt/slides/slide42.xml><?xml version="1.0" encoding="utf-8"?>
 <p:sld xmlns:a="http://schemas.openxmlformats.org/drawingml/2006/main" xmlns:r="http://schemas.openxmlformats.org/officeDocument/2006/relationships" xmlns:p="http://schemas.openxmlformats.org/presentationml/2006/main">
   <p:cSld>
     <p:spTree>
@@ -10308,7 +10396,7 @@
 </p:sld>
 </file>
 
-<file path=ppt/slides/slide42.xml><?xml version="1.0" encoding="utf-8"?>
+<file path=ppt/slides/slide43.xml><?xml version="1.0" encoding="utf-8"?>
 <p:sld xmlns:a="http://schemas.openxmlformats.org/drawingml/2006/main" xmlns:r="http://schemas.openxmlformats.org/officeDocument/2006/relationships" xmlns:p="http://schemas.openxmlformats.org/presentationml/2006/main">
   <p:cSld>
     <p:spTree>
@@ -10555,6 +10643,123 @@
       </p:grpSpPr>
       <p:sp>
         <p:nvSpPr>
+          <p:cNvPr id="2" name="Titre 1"/>
+          <p:cNvSpPr>
+            <a:spLocks noGrp="1"/>
+          </p:cNvSpPr>
+          <p:nvPr>
+            <p:ph type="title"/>
+          </p:nvPr>
+        </p:nvSpPr>
+        <p:spPr/>
+        <p:txBody>
+          <a:bodyPr/>
+          <a:lstStyle/>
+          <a:p>
+            <a:r>
+              <a:rPr lang="fr-FR" dirty="0"/>
+              <a:t>Installation</a:t>
+            </a:r>
+          </a:p>
+        </p:txBody>
+      </p:sp>
+      <p:sp>
+        <p:nvSpPr>
+          <p:cNvPr id="3" name="Espace réservé du contenu 2"/>
+          <p:cNvSpPr>
+            <a:spLocks noGrp="1"/>
+          </p:cNvSpPr>
+          <p:nvPr>
+            <p:ph idx="1"/>
+          </p:nvPr>
+        </p:nvSpPr>
+        <p:spPr/>
+        <p:txBody>
+          <a:bodyPr/>
+          <a:lstStyle/>
+          <a:p>
+            <a:r>
+              <a:rPr lang="fr-FR" dirty="0" err="1"/>
+              <a:t>pip</a:t>
+            </a:r>
+            <a:r>
+              <a:rPr lang="fr-FR" dirty="0"/>
+              <a:t> </a:t>
+            </a:r>
+            <a:r>
+              <a:rPr lang="fr-FR" dirty="0" err="1"/>
+              <a:t>install</a:t>
+            </a:r>
+            <a:r>
+              <a:rPr lang="fr-FR" dirty="0"/>
+              <a:t> </a:t>
+            </a:r>
+            <a:r>
+              <a:rPr lang="fr-FR" dirty="0" err="1"/>
+              <a:t>tensorflow</a:t>
+            </a:r>
+            <a:endParaRPr lang="fr-FR" dirty="0"/>
+          </a:p>
+          <a:p>
+            <a:r>
+              <a:rPr lang="fr-FR" dirty="0"/>
+              <a:t>Test</a:t>
+            </a:r>
+          </a:p>
+          <a:p>
+            <a:pPr lvl="1"/>
+            <a:r>
+              <a:rPr lang="fr-FR" dirty="0"/>
+              <a:t>import </a:t>
+            </a:r>
+            <a:r>
+              <a:rPr lang="fr-FR" dirty="0" err="1"/>
+              <a:t>tensorflow</a:t>
+            </a:r>
+            <a:r>
+              <a:rPr lang="fr-FR" dirty="0"/>
+              <a:t> as </a:t>
+            </a:r>
+            <a:r>
+              <a:rPr lang="fr-FR" dirty="0" err="1"/>
+              <a:t>tf</a:t>
+            </a:r>
+            <a:endParaRPr lang="fr-FR" dirty="0"/>
+          </a:p>
+        </p:txBody>
+      </p:sp>
+    </p:spTree>
+    <p:extLst>
+      <p:ext uri="{BB962C8B-B14F-4D97-AF65-F5344CB8AC3E}">
+        <p14:creationId xmlns:p14="http://schemas.microsoft.com/office/powerpoint/2010/main" val="833785197"/>
+      </p:ext>
+    </p:extLst>
+  </p:cSld>
+  <p:clrMapOvr>
+    <a:masterClrMapping/>
+  </p:clrMapOvr>
+</p:sld>
+</file>
+
+<file path=ppt/slides/slide6.xml><?xml version="1.0" encoding="utf-8"?>
+<p:sld xmlns:a="http://schemas.openxmlformats.org/drawingml/2006/main" xmlns:r="http://schemas.openxmlformats.org/officeDocument/2006/relationships" xmlns:p="http://schemas.openxmlformats.org/presentationml/2006/main">
+  <p:cSld>
+    <p:spTree>
+      <p:nvGrpSpPr>
+        <p:cNvPr id="1" name=""/>
+        <p:cNvGrpSpPr/>
+        <p:nvPr/>
+      </p:nvGrpSpPr>
+      <p:grpSpPr>
+        <a:xfrm>
+          <a:off x="0" y="0"/>
+          <a:ext cx="0" cy="0"/>
+          <a:chOff x="0" y="0"/>
+          <a:chExt cx="0" cy="0"/>
+        </a:xfrm>
+      </p:grpSpPr>
+      <p:sp>
+        <p:nvSpPr>
           <p:cNvPr id="2" name="Titre 1">
             <a:extLst>
               <a:ext uri="{FF2B5EF4-FFF2-40B4-BE49-F238E27FC236}">
@@ -10629,7 +10834,7 @@
 </p:sld>
 </file>
 
-<file path=ppt/slides/slide6.xml><?xml version="1.0" encoding="utf-8"?>
+<file path=ppt/slides/slide7.xml><?xml version="1.0" encoding="utf-8"?>
 <p:sld xmlns:a="http://schemas.openxmlformats.org/drawingml/2006/main" xmlns:r="http://schemas.openxmlformats.org/officeDocument/2006/relationships" xmlns:p="http://schemas.openxmlformats.org/presentationml/2006/main">
   <p:cSld>
     <p:spTree>
@@ -10754,7 +10959,7 @@
 </p:sld>
 </file>
 
-<file path=ppt/slides/slide7.xml><?xml version="1.0" encoding="utf-8"?>
+<file path=ppt/slides/slide8.xml><?xml version="1.0" encoding="utf-8"?>
 <p:sld xmlns:a="http://schemas.openxmlformats.org/drawingml/2006/main" xmlns:r="http://schemas.openxmlformats.org/officeDocument/2006/relationships" xmlns:p="http://schemas.openxmlformats.org/presentationml/2006/main">
   <p:cSld>
     <p:spTree>
@@ -10872,7 +11077,7 @@
 </p:sld>
 </file>
 
-<file path=ppt/slides/slide8.xml><?xml version="1.0" encoding="utf-8"?>
+<file path=ppt/slides/slide9.xml><?xml version="1.0" encoding="utf-8"?>
 <p:sld xmlns:a="http://schemas.openxmlformats.org/drawingml/2006/main" xmlns:r="http://schemas.openxmlformats.org/officeDocument/2006/relationships" xmlns:p="http://schemas.openxmlformats.org/presentationml/2006/main">
   <p:cSld>
     <p:spTree>
@@ -10995,94 +11200,6 @@
     <p:extLst>
       <p:ext uri="{BB962C8B-B14F-4D97-AF65-F5344CB8AC3E}">
         <p14:creationId xmlns:p14="http://schemas.microsoft.com/office/powerpoint/2010/main" val="176497300"/>
-      </p:ext>
-    </p:extLst>
-  </p:cSld>
-  <p:clrMapOvr>
-    <a:masterClrMapping/>
-  </p:clrMapOvr>
-</p:sld>
-</file>
-
-<file path=ppt/slides/slide9.xml><?xml version="1.0" encoding="utf-8"?>
-<p:sld xmlns:a="http://schemas.openxmlformats.org/drawingml/2006/main" xmlns:r="http://schemas.openxmlformats.org/officeDocument/2006/relationships" xmlns:p="http://schemas.openxmlformats.org/presentationml/2006/main">
-  <p:cSld>
-    <p:spTree>
-      <p:nvGrpSpPr>
-        <p:cNvPr id="1" name=""/>
-        <p:cNvGrpSpPr/>
-        <p:nvPr/>
-      </p:nvGrpSpPr>
-      <p:grpSpPr>
-        <a:xfrm>
-          <a:off x="0" y="0"/>
-          <a:ext cx="0" cy="0"/>
-          <a:chOff x="0" y="0"/>
-          <a:chExt cx="0" cy="0"/>
-        </a:xfrm>
-      </p:grpSpPr>
-      <p:sp>
-        <p:nvSpPr>
-          <p:cNvPr id="2" name="Titre 1"/>
-          <p:cNvSpPr>
-            <a:spLocks noGrp="1"/>
-          </p:cNvSpPr>
-          <p:nvPr>
-            <p:ph type="title"/>
-          </p:nvPr>
-        </p:nvSpPr>
-        <p:spPr/>
-        <p:txBody>
-          <a:bodyPr/>
-          <a:lstStyle/>
-          <a:p>
-            <a:r>
-              <a:rPr lang="fr-FR" dirty="0"/>
-              <a:t>Signal synaptique</a:t>
-            </a:r>
-          </a:p>
-        </p:txBody>
-      </p:sp>
-      <p:sp>
-        <p:nvSpPr>
-          <p:cNvPr id="3" name="Espace réservé du contenu 2"/>
-          <p:cNvSpPr>
-            <a:spLocks noGrp="1"/>
-          </p:cNvSpPr>
-          <p:nvPr>
-            <p:ph idx="1"/>
-          </p:nvPr>
-        </p:nvSpPr>
-        <p:spPr/>
-        <p:txBody>
-          <a:bodyPr/>
-          <a:lstStyle/>
-          <a:p>
-            <a:r>
-              <a:rPr lang="fr-FR" dirty="0"/>
-              <a:t>L’ensemble des entrées sont multipliés à leurs poids puis sommés</a:t>
-            </a:r>
-          </a:p>
-          <a:p>
-            <a:r>
-              <a:rPr lang="fr-FR" dirty="0"/>
-              <a:t>signal = </a:t>
-            </a:r>
-            <a:r>
-              <a:rPr lang="fr-FR" dirty="0" err="1"/>
-              <a:t>sum</a:t>
-            </a:r>
-            <a:r>
-              <a:rPr lang="fr-FR" dirty="0"/>
-              <a:t>(i[x]*W[x])</a:t>
-            </a:r>
-          </a:p>
-        </p:txBody>
-      </p:sp>
-    </p:spTree>
-    <p:extLst>
-      <p:ext uri="{BB962C8B-B14F-4D97-AF65-F5344CB8AC3E}">
-        <p14:creationId xmlns:p14="http://schemas.microsoft.com/office/powerpoint/2010/main" val="635550269"/>
       </p:ext>
     </p:extLst>
   </p:cSld>
